--- a/Slides/Module 10.2 Distributing Data.pptx
+++ b/Slides/Module 10.2 Distributing Data.pptx
@@ -2663,7 +2663,7 @@
                 <a:tabLst/>
                 <a:defRPr/>
               </a:pPr>
-              <a:t>1/29/2025</a:t>
+              <a:t>2/3/2025</a:t>
             </a:fld>
             <a:endParaRPr kumimoji="0" lang="en-US" sz="1200" b="0" i="0" u="none" strike="noStrike" kern="1200" cap="none" spc="0" normalizeH="0" baseline="0" noProof="0">
               <a:ln>
@@ -3147,7 +3147,7 @@
                 <a:tabLst/>
                 <a:defRPr/>
               </a:pPr>
-              <a:t>1/29/2025</a:t>
+              <a:t>2/3/2025</a:t>
             </a:fld>
             <a:endParaRPr kumimoji="0" lang="en-US" sz="1200" b="0" i="0" u="none" strike="noStrike" kern="1200" cap="none" spc="0" normalizeH="0" baseline="0" noProof="0">
               <a:ln>
@@ -3505,7 +3505,7 @@
                 <a:tabLst/>
                 <a:defRPr/>
               </a:pPr>
-              <a:t>1/29/2025</a:t>
+              <a:t>2/3/2025</a:t>
             </a:fld>
             <a:endParaRPr kumimoji="0" lang="en-US" sz="1200" b="0" i="0" u="none" strike="noStrike" kern="1200" cap="none" spc="0" normalizeH="0" baseline="0" noProof="0">
               <a:ln>
@@ -3873,7 +3873,7 @@
                 <a:tabLst/>
                 <a:defRPr/>
               </a:pPr>
-              <a:t>1/29/2025</a:t>
+              <a:t>2/3/2025</a:t>
             </a:fld>
             <a:endParaRPr kumimoji="0" lang="en-US" sz="1200" b="0" i="0" u="none" strike="noStrike" kern="1200" cap="none" spc="0" normalizeH="0" baseline="0" noProof="0">
               <a:ln>
@@ -4673,7 +4673,7 @@
                 <a:tabLst/>
                 <a:defRPr/>
               </a:pPr>
-              <a:t>1/29/2025</a:t>
+              <a:t>2/3/2025</a:t>
             </a:fld>
             <a:endParaRPr kumimoji="0" lang="en-US" sz="1200" b="0" i="0" u="none" strike="noStrike" kern="1200" cap="none" spc="0" normalizeH="0" baseline="0" noProof="0">
               <a:ln>
@@ -5083,7 +5083,7 @@
                 <a:tabLst/>
                 <a:defRPr/>
               </a:pPr>
-              <a:t>1/29/2025</a:t>
+              <a:t>2/3/2025</a:t>
             </a:fld>
             <a:endParaRPr kumimoji="0" lang="en-US" sz="1200" b="0" i="0" u="none" strike="noStrike" kern="1200" cap="none" spc="0" normalizeH="0" baseline="0" noProof="0">
               <a:ln>
@@ -5431,7 +5431,7 @@
                 <a:tabLst/>
                 <a:defRPr/>
               </a:pPr>
-              <a:t>1/29/2025</a:t>
+              <a:t>2/3/2025</a:t>
             </a:fld>
             <a:endParaRPr kumimoji="0" lang="en-US" sz="1200" b="0" i="0" u="none" strike="noStrike" kern="1200" cap="none" spc="0" normalizeH="0" baseline="0" noProof="0">
               <a:ln>
@@ -5904,7 +5904,7 @@
                 <a:tabLst/>
                 <a:defRPr/>
               </a:pPr>
-              <a:t>1/29/2025</a:t>
+              <a:t>2/3/2025</a:t>
             </a:fld>
             <a:endParaRPr kumimoji="0" lang="en-US" sz="1200" b="0" i="0" u="none" strike="noStrike" kern="1200" cap="none" spc="0" normalizeH="0" baseline="0" noProof="0">
               <a:ln>
@@ -6365,7 +6365,7 @@
                 <a:tabLst/>
                 <a:defRPr/>
               </a:pPr>
-              <a:t>1/29/2025</a:t>
+              <a:t>2/3/2025</a:t>
             </a:fld>
             <a:endParaRPr kumimoji="0" lang="en-US" sz="1200" b="0" i="0" u="none" strike="noStrike" kern="1200" cap="none" spc="0" normalizeH="0" baseline="0" noProof="0">
               <a:ln>
@@ -6973,7 +6973,7 @@
                 <a:tabLst/>
                 <a:defRPr/>
               </a:pPr>
-              <a:t>1/29/2025</a:t>
+              <a:t>2/3/2025</a:t>
             </a:fld>
             <a:endParaRPr kumimoji="0" lang="en-US" sz="1200" b="0" i="0" u="none" strike="noStrike" kern="1200" cap="none" spc="0" normalizeH="0" baseline="0" noProof="0">
               <a:ln>
@@ -7246,7 +7246,7 @@
                 <a:tabLst/>
                 <a:defRPr/>
               </a:pPr>
-              <a:t>1/29/2025</a:t>
+              <a:t>2/3/2025</a:t>
             </a:fld>
             <a:endParaRPr kumimoji="0" lang="en-US" sz="1200" b="0" i="0" u="none" strike="noStrike" kern="1200" cap="none" spc="0" normalizeH="0" baseline="0" noProof="0">
               <a:ln>
@@ -7717,7 +7717,7 @@
                 <a:tabLst/>
                 <a:defRPr/>
               </a:pPr>
-              <a:t>1/29/2025</a:t>
+              <a:t>2/3/2025</a:t>
             </a:fld>
             <a:endParaRPr kumimoji="0" lang="en-US" sz="1200" b="0" i="0" u="none" strike="noStrike" kern="1200" cap="none" spc="0" normalizeH="0" baseline="0" noProof="0">
               <a:ln>
@@ -8118,7 +8118,7 @@
                 <a:tabLst/>
                 <a:defRPr/>
               </a:pPr>
-              <a:t>1/29/2025</a:t>
+              <a:t>2/3/2025</a:t>
             </a:fld>
             <a:endParaRPr kumimoji="0" lang="en-US" sz="1200" b="0" i="0" u="none" strike="noStrike" kern="1200" cap="none" spc="0" normalizeH="0" baseline="0" noProof="0">
               <a:ln>
@@ -8910,7 +8910,7 @@
           </a:prstGeom>
           <a:extLst>
             <a:ext uri="{C572A759-6A51-4108-AA02-DFA0A04FC94B}">
-              <ma14:wrappingTextBoxFlag xmlns="" xmlns:m="http://schemas.openxmlformats.org/officeDocument/2006/math" xmlns:a14="http://schemas.microsoft.com/office/drawing/2010/main" xmlns:ma14="http://schemas.microsoft.com/office/mac/drawingml/2011/main" val="1"/>
+              <ma14:wrappingTextBoxFlag xmlns:ma14="http://schemas.microsoft.com/office/mac/drawingml/2011/main" xmlns:a14="http://schemas.microsoft.com/office/drawing/2010/main" xmlns:m="http://schemas.openxmlformats.org/officeDocument/2006/math" xmlns="" val="1"/>
             </a:ext>
           </a:extLst>
         </p:spPr>
@@ -9188,7 +9188,7 @@
               <a:effectLst/>
               <a:extLst>
                 <a:ext uri="{C572A759-6A51-4108-AA02-DFA0A04FC94B}">
-                  <ma14:wrappingTextBoxFlag xmlns="" xmlns:m="http://schemas.openxmlformats.org/officeDocument/2006/math" xmlns:a14="http://schemas.microsoft.com/office/drawing/2010/main" xmlns:ma14="http://schemas.microsoft.com/office/mac/drawingml/2011/main" val="1"/>
+                  <ma14:wrappingTextBoxFlag xmlns:ma14="http://schemas.microsoft.com/office/mac/drawingml/2011/main" xmlns:a14="http://schemas.microsoft.com/office/drawing/2010/main" xmlns:m="http://schemas.openxmlformats.org/officeDocument/2006/math" xmlns="" val="1"/>
                 </a:ext>
               </a:extLst>
             </p:spPr>
@@ -9304,7 +9304,7 @@
               <a:effectLst/>
               <a:extLst>
                 <a:ext uri="{C572A759-6A51-4108-AA02-DFA0A04FC94B}">
-                  <ma14:wrappingTextBoxFlag xmlns="" xmlns:m="http://schemas.openxmlformats.org/officeDocument/2006/math" xmlns:a14="http://schemas.microsoft.com/office/drawing/2010/main" xmlns:ma14="http://schemas.microsoft.com/office/mac/drawingml/2011/main" val="1"/>
+                  <ma14:wrappingTextBoxFlag xmlns:ma14="http://schemas.microsoft.com/office/mac/drawingml/2011/main" xmlns:a14="http://schemas.microsoft.com/office/drawing/2010/main" xmlns:m="http://schemas.openxmlformats.org/officeDocument/2006/math" xmlns="" val="1"/>
                 </a:ext>
               </a:extLst>
             </p:spPr>
@@ -9474,7 +9474,7 @@
               <a:effectLst/>
               <a:extLst>
                 <a:ext uri="{C572A759-6A51-4108-AA02-DFA0A04FC94B}">
-                  <ma14:wrappingTextBoxFlag xmlns="" xmlns:m="http://schemas.openxmlformats.org/officeDocument/2006/math" xmlns:a14="http://schemas.microsoft.com/office/drawing/2010/main" xmlns:ma14="http://schemas.microsoft.com/office/mac/drawingml/2011/main" val="1"/>
+                  <ma14:wrappingTextBoxFlag xmlns:ma14="http://schemas.microsoft.com/office/mac/drawingml/2011/main" xmlns:a14="http://schemas.microsoft.com/office/drawing/2010/main" xmlns:m="http://schemas.openxmlformats.org/officeDocument/2006/math" xmlns="" val="1"/>
                 </a:ext>
               </a:extLst>
             </p:spPr>
@@ -9590,7 +9590,7 @@
               <a:effectLst/>
               <a:extLst>
                 <a:ext uri="{C572A759-6A51-4108-AA02-DFA0A04FC94B}">
-                  <ma14:wrappingTextBoxFlag xmlns="" xmlns:m="http://schemas.openxmlformats.org/officeDocument/2006/math" xmlns:a14="http://schemas.microsoft.com/office/drawing/2010/main" xmlns:ma14="http://schemas.microsoft.com/office/mac/drawingml/2011/main" val="1"/>
+                  <ma14:wrappingTextBoxFlag xmlns:ma14="http://schemas.microsoft.com/office/mac/drawingml/2011/main" xmlns:a14="http://schemas.microsoft.com/office/drawing/2010/main" xmlns:m="http://schemas.openxmlformats.org/officeDocument/2006/math" xmlns="" val="1"/>
                 </a:ext>
               </a:extLst>
             </p:spPr>
@@ -9718,7 +9718,7 @@
               <a:effectLst/>
               <a:extLst>
                 <a:ext uri="{C572A759-6A51-4108-AA02-DFA0A04FC94B}">
-                  <ma14:wrappingTextBoxFlag xmlns="" xmlns:m="http://schemas.openxmlformats.org/officeDocument/2006/math" xmlns:a14="http://schemas.microsoft.com/office/drawing/2010/main" xmlns:ma14="http://schemas.microsoft.com/office/mac/drawingml/2011/main" val="1"/>
+                  <ma14:wrappingTextBoxFlag xmlns:ma14="http://schemas.microsoft.com/office/mac/drawingml/2011/main" xmlns:a14="http://schemas.microsoft.com/office/drawing/2010/main" xmlns:m="http://schemas.openxmlformats.org/officeDocument/2006/math" xmlns="" val="1"/>
                 </a:ext>
               </a:extLst>
             </p:spPr>
@@ -9767,7 +9767,7 @@
             </a:ln>
             <a:extLst>
               <a:ext uri="{C572A759-6A51-4108-AA02-DFA0A04FC94B}">
-                <ma14:wrappingTextBoxFlag xmlns="" xmlns:m="http://schemas.openxmlformats.org/officeDocument/2006/math" xmlns:a14="http://schemas.microsoft.com/office/drawing/2010/main" xmlns:ma14="http://schemas.microsoft.com/office/mac/drawingml/2011/main" val="1"/>
+                <ma14:wrappingTextBoxFlag xmlns:ma14="http://schemas.microsoft.com/office/mac/drawingml/2011/main" xmlns:a14="http://schemas.microsoft.com/office/drawing/2010/main" xmlns:m="http://schemas.openxmlformats.org/officeDocument/2006/math" xmlns="" val="1"/>
               </a:ext>
             </a:extLst>
           </p:spPr>
@@ -9815,7 +9815,7 @@
             </a:ln>
             <a:extLst>
               <a:ext uri="{C572A759-6A51-4108-AA02-DFA0A04FC94B}">
-                <ma14:wrappingTextBoxFlag xmlns="" xmlns:m="http://schemas.openxmlformats.org/officeDocument/2006/math" xmlns:a14="http://schemas.microsoft.com/office/drawing/2010/main" xmlns:ma14="http://schemas.microsoft.com/office/mac/drawingml/2011/main" val="1"/>
+                <ma14:wrappingTextBoxFlag xmlns:ma14="http://schemas.microsoft.com/office/mac/drawingml/2011/main" xmlns:a14="http://schemas.microsoft.com/office/drawing/2010/main" xmlns:m="http://schemas.openxmlformats.org/officeDocument/2006/math" xmlns="" val="1"/>
               </a:ext>
             </a:extLst>
           </p:spPr>
@@ -9863,7 +9863,7 @@
             </a:ln>
             <a:extLst>
               <a:ext uri="{C572A759-6A51-4108-AA02-DFA0A04FC94B}">
-                <ma14:wrappingTextBoxFlag xmlns="" xmlns:m="http://schemas.openxmlformats.org/officeDocument/2006/math" xmlns:a14="http://schemas.microsoft.com/office/drawing/2010/main" xmlns:ma14="http://schemas.microsoft.com/office/mac/drawingml/2011/main" val="1"/>
+                <ma14:wrappingTextBoxFlag xmlns:ma14="http://schemas.microsoft.com/office/mac/drawingml/2011/main" xmlns:a14="http://schemas.microsoft.com/office/drawing/2010/main" xmlns:m="http://schemas.openxmlformats.org/officeDocument/2006/math" xmlns="" val="1"/>
               </a:ext>
             </a:extLst>
           </p:spPr>
@@ -9911,7 +9911,7 @@
             </a:ln>
             <a:extLst>
               <a:ext uri="{C572A759-6A51-4108-AA02-DFA0A04FC94B}">
-                <ma14:wrappingTextBoxFlag xmlns="" xmlns:m="http://schemas.openxmlformats.org/officeDocument/2006/math" xmlns:a14="http://schemas.microsoft.com/office/drawing/2010/main" xmlns:ma14="http://schemas.microsoft.com/office/mac/drawingml/2011/main" val="1"/>
+                <ma14:wrappingTextBoxFlag xmlns:ma14="http://schemas.microsoft.com/office/mac/drawingml/2011/main" xmlns:a14="http://schemas.microsoft.com/office/drawing/2010/main" xmlns:m="http://schemas.openxmlformats.org/officeDocument/2006/math" xmlns="" val="1"/>
               </a:ext>
             </a:extLst>
           </p:spPr>
@@ -9962,7 +9962,7 @@
             </a:ln>
             <a:extLst>
               <a:ext uri="{C572A759-6A51-4108-AA02-DFA0A04FC94B}">
-                <ma14:wrappingTextBoxFlag xmlns="" xmlns:m="http://schemas.openxmlformats.org/officeDocument/2006/math" xmlns:a14="http://schemas.microsoft.com/office/drawing/2010/main" xmlns:ma14="http://schemas.microsoft.com/office/mac/drawingml/2011/main" val="1"/>
+                <ma14:wrappingTextBoxFlag xmlns:ma14="http://schemas.microsoft.com/office/mac/drawingml/2011/main" xmlns:a14="http://schemas.microsoft.com/office/drawing/2010/main" xmlns:m="http://schemas.openxmlformats.org/officeDocument/2006/math" xmlns="" val="1"/>
               </a:ext>
             </a:extLst>
           </p:spPr>
@@ -10027,7 +10027,7 @@
               <a:effectLst/>
               <a:extLst>
                 <a:ext uri="{C572A759-6A51-4108-AA02-DFA0A04FC94B}">
-                  <ma14:wrappingTextBoxFlag xmlns="" xmlns:m="http://schemas.openxmlformats.org/officeDocument/2006/math" xmlns:a14="http://schemas.microsoft.com/office/drawing/2010/main" xmlns:ma14="http://schemas.microsoft.com/office/mac/drawingml/2011/main" val="1"/>
+                  <ma14:wrappingTextBoxFlag xmlns:ma14="http://schemas.microsoft.com/office/mac/drawingml/2011/main" xmlns:a14="http://schemas.microsoft.com/office/drawing/2010/main" xmlns:m="http://schemas.openxmlformats.org/officeDocument/2006/math" xmlns="" val="1"/>
                 </a:ext>
               </a:extLst>
             </p:spPr>
@@ -10163,7 +10163,7 @@
               <a:effectLst/>
               <a:extLst>
                 <a:ext uri="{C572A759-6A51-4108-AA02-DFA0A04FC94B}">
-                  <ma14:wrappingTextBoxFlag xmlns="" xmlns:m="http://schemas.openxmlformats.org/officeDocument/2006/math" xmlns:a14="http://schemas.microsoft.com/office/drawing/2010/main" xmlns:ma14="http://schemas.microsoft.com/office/mac/drawingml/2011/main" val="1"/>
+                  <ma14:wrappingTextBoxFlag xmlns:ma14="http://schemas.microsoft.com/office/mac/drawingml/2011/main" xmlns:a14="http://schemas.microsoft.com/office/drawing/2010/main" xmlns:m="http://schemas.openxmlformats.org/officeDocument/2006/math" xmlns="" val="1"/>
                 </a:ext>
               </a:extLst>
             </p:spPr>
@@ -10229,7 +10229,7 @@
               <a:effectLst/>
               <a:extLst>
                 <a:ext uri="{C572A759-6A51-4108-AA02-DFA0A04FC94B}">
-                  <ma14:wrappingTextBoxFlag xmlns="" xmlns:m="http://schemas.openxmlformats.org/officeDocument/2006/math" xmlns:a14="http://schemas.microsoft.com/office/drawing/2010/main" xmlns:ma14="http://schemas.microsoft.com/office/mac/drawingml/2011/main" val="1"/>
+                  <ma14:wrappingTextBoxFlag xmlns:ma14="http://schemas.microsoft.com/office/mac/drawingml/2011/main" xmlns:a14="http://schemas.microsoft.com/office/drawing/2010/main" xmlns:m="http://schemas.openxmlformats.org/officeDocument/2006/math" xmlns="" val="1"/>
                 </a:ext>
               </a:extLst>
             </p:spPr>
@@ -10316,7 +10316,7 @@
             </a:ln>
             <a:extLst>
               <a:ext uri="{C572A759-6A51-4108-AA02-DFA0A04FC94B}">
-                <ma14:wrappingTextBoxFlag xmlns="" xmlns:m="http://schemas.openxmlformats.org/officeDocument/2006/math" xmlns:a14="http://schemas.microsoft.com/office/drawing/2010/main" xmlns:ma14="http://schemas.microsoft.com/office/mac/drawingml/2011/main" val="1"/>
+                <ma14:wrappingTextBoxFlag xmlns:ma14="http://schemas.microsoft.com/office/mac/drawingml/2011/main" xmlns:a14="http://schemas.microsoft.com/office/drawing/2010/main" xmlns:m="http://schemas.openxmlformats.org/officeDocument/2006/math" xmlns="" val="1"/>
               </a:ext>
             </a:extLst>
           </p:spPr>
@@ -10356,18 +10356,6 @@
   <p:clrMapOvr>
     <a:masterClrMapping/>
   </p:clrMapOvr>
-  <mc:AlternateContent xmlns:mc="http://schemas.openxmlformats.org/markup-compatibility/2006" xmlns:p14="http://schemas.microsoft.com/office/powerpoint/2010/main">
-    <mc:Choice Requires="p14">
-      <p:transition spd="slow" p14:dur="1200">
-        <p:fade/>
-      </p:transition>
-    </mc:Choice>
-    <mc:Fallback xmlns="" xmlns:m="http://schemas.openxmlformats.org/officeDocument/2006/math" xmlns:a14="http://schemas.microsoft.com/office/drawing/2010/main">
-      <p:transition spd="slow">
-        <p:fade/>
-      </p:transition>
-    </mc:Fallback>
-  </mc:AlternateContent>
 </p:sld>
 </file>
 
@@ -10592,7 +10580,7 @@
               <a:effectLst/>
               <a:extLst>
                 <a:ext uri="{C572A759-6A51-4108-AA02-DFA0A04FC94B}">
-                  <ma14:wrappingTextBoxFlag xmlns="" xmlns:m="http://schemas.openxmlformats.org/officeDocument/2006/math" xmlns:a14="http://schemas.microsoft.com/office/drawing/2010/main" xmlns:ma14="http://schemas.microsoft.com/office/mac/drawingml/2011/main" val="1"/>
+                  <ma14:wrappingTextBoxFlag xmlns:ma14="http://schemas.microsoft.com/office/mac/drawingml/2011/main" xmlns:a14="http://schemas.microsoft.com/office/drawing/2010/main" xmlns:m="http://schemas.openxmlformats.org/officeDocument/2006/math" xmlns="" val="1"/>
                 </a:ext>
               </a:extLst>
             </p:spPr>
@@ -10708,7 +10696,7 @@
               <a:effectLst/>
               <a:extLst>
                 <a:ext uri="{C572A759-6A51-4108-AA02-DFA0A04FC94B}">
-                  <ma14:wrappingTextBoxFlag xmlns="" xmlns:m="http://schemas.openxmlformats.org/officeDocument/2006/math" xmlns:a14="http://schemas.microsoft.com/office/drawing/2010/main" xmlns:ma14="http://schemas.microsoft.com/office/mac/drawingml/2011/main" val="1"/>
+                  <ma14:wrappingTextBoxFlag xmlns:ma14="http://schemas.microsoft.com/office/mac/drawingml/2011/main" xmlns:a14="http://schemas.microsoft.com/office/drawing/2010/main" xmlns:m="http://schemas.openxmlformats.org/officeDocument/2006/math" xmlns="" val="1"/>
                 </a:ext>
               </a:extLst>
             </p:spPr>
@@ -10878,7 +10866,7 @@
               <a:effectLst/>
               <a:extLst>
                 <a:ext uri="{C572A759-6A51-4108-AA02-DFA0A04FC94B}">
-                  <ma14:wrappingTextBoxFlag xmlns="" xmlns:m="http://schemas.openxmlformats.org/officeDocument/2006/math" xmlns:a14="http://schemas.microsoft.com/office/drawing/2010/main" xmlns:ma14="http://schemas.microsoft.com/office/mac/drawingml/2011/main" val="1"/>
+                  <ma14:wrappingTextBoxFlag xmlns:ma14="http://schemas.microsoft.com/office/mac/drawingml/2011/main" xmlns:a14="http://schemas.microsoft.com/office/drawing/2010/main" xmlns:m="http://schemas.openxmlformats.org/officeDocument/2006/math" xmlns="" val="1"/>
                 </a:ext>
               </a:extLst>
             </p:spPr>
@@ -10994,7 +10982,7 @@
               <a:effectLst/>
               <a:extLst>
                 <a:ext uri="{C572A759-6A51-4108-AA02-DFA0A04FC94B}">
-                  <ma14:wrappingTextBoxFlag xmlns="" xmlns:m="http://schemas.openxmlformats.org/officeDocument/2006/math" xmlns:a14="http://schemas.microsoft.com/office/drawing/2010/main" xmlns:ma14="http://schemas.microsoft.com/office/mac/drawingml/2011/main" val="1"/>
+                  <ma14:wrappingTextBoxFlag xmlns:ma14="http://schemas.microsoft.com/office/mac/drawingml/2011/main" xmlns:a14="http://schemas.microsoft.com/office/drawing/2010/main" xmlns:m="http://schemas.openxmlformats.org/officeDocument/2006/math" xmlns="" val="1"/>
                 </a:ext>
               </a:extLst>
             </p:spPr>
@@ -11122,7 +11110,7 @@
               <a:effectLst/>
               <a:extLst>
                 <a:ext uri="{C572A759-6A51-4108-AA02-DFA0A04FC94B}">
-                  <ma14:wrappingTextBoxFlag xmlns="" xmlns:m="http://schemas.openxmlformats.org/officeDocument/2006/math" xmlns:a14="http://schemas.microsoft.com/office/drawing/2010/main" xmlns:ma14="http://schemas.microsoft.com/office/mac/drawingml/2011/main" val="1"/>
+                  <ma14:wrappingTextBoxFlag xmlns:ma14="http://schemas.microsoft.com/office/mac/drawingml/2011/main" xmlns:a14="http://schemas.microsoft.com/office/drawing/2010/main" xmlns:m="http://schemas.openxmlformats.org/officeDocument/2006/math" xmlns="" val="1"/>
                 </a:ext>
               </a:extLst>
             </p:spPr>
@@ -11171,7 +11159,7 @@
             </a:ln>
             <a:extLst>
               <a:ext uri="{C572A759-6A51-4108-AA02-DFA0A04FC94B}">
-                <ma14:wrappingTextBoxFlag xmlns="" xmlns:m="http://schemas.openxmlformats.org/officeDocument/2006/math" xmlns:a14="http://schemas.microsoft.com/office/drawing/2010/main" xmlns:ma14="http://schemas.microsoft.com/office/mac/drawingml/2011/main" val="1"/>
+                <ma14:wrappingTextBoxFlag xmlns:ma14="http://schemas.microsoft.com/office/mac/drawingml/2011/main" xmlns:a14="http://schemas.microsoft.com/office/drawing/2010/main" xmlns:m="http://schemas.openxmlformats.org/officeDocument/2006/math" xmlns="" val="1"/>
               </a:ext>
             </a:extLst>
           </p:spPr>
@@ -11219,7 +11207,7 @@
             </a:ln>
             <a:extLst>
               <a:ext uri="{C572A759-6A51-4108-AA02-DFA0A04FC94B}">
-                <ma14:wrappingTextBoxFlag xmlns="" xmlns:m="http://schemas.openxmlformats.org/officeDocument/2006/math" xmlns:a14="http://schemas.microsoft.com/office/drawing/2010/main" xmlns:ma14="http://schemas.microsoft.com/office/mac/drawingml/2011/main" val="1"/>
+                <ma14:wrappingTextBoxFlag xmlns:ma14="http://schemas.microsoft.com/office/mac/drawingml/2011/main" xmlns:a14="http://schemas.microsoft.com/office/drawing/2010/main" xmlns:m="http://schemas.openxmlformats.org/officeDocument/2006/math" xmlns="" val="1"/>
               </a:ext>
             </a:extLst>
           </p:spPr>
@@ -11267,7 +11255,7 @@
             </a:ln>
             <a:extLst>
               <a:ext uri="{C572A759-6A51-4108-AA02-DFA0A04FC94B}">
-                <ma14:wrappingTextBoxFlag xmlns="" xmlns:m="http://schemas.openxmlformats.org/officeDocument/2006/math" xmlns:a14="http://schemas.microsoft.com/office/drawing/2010/main" xmlns:ma14="http://schemas.microsoft.com/office/mac/drawingml/2011/main" val="1"/>
+                <ma14:wrappingTextBoxFlag xmlns:ma14="http://schemas.microsoft.com/office/mac/drawingml/2011/main" xmlns:a14="http://schemas.microsoft.com/office/drawing/2010/main" xmlns:m="http://schemas.openxmlformats.org/officeDocument/2006/math" xmlns="" val="1"/>
               </a:ext>
             </a:extLst>
           </p:spPr>
@@ -11315,7 +11303,7 @@
             </a:ln>
             <a:extLst>
               <a:ext uri="{C572A759-6A51-4108-AA02-DFA0A04FC94B}">
-                <ma14:wrappingTextBoxFlag xmlns="" xmlns:m="http://schemas.openxmlformats.org/officeDocument/2006/math" xmlns:a14="http://schemas.microsoft.com/office/drawing/2010/main" xmlns:ma14="http://schemas.microsoft.com/office/mac/drawingml/2011/main" val="1"/>
+                <ma14:wrappingTextBoxFlag xmlns:ma14="http://schemas.microsoft.com/office/mac/drawingml/2011/main" xmlns:a14="http://schemas.microsoft.com/office/drawing/2010/main" xmlns:m="http://schemas.openxmlformats.org/officeDocument/2006/math" xmlns="" val="1"/>
               </a:ext>
             </a:extLst>
           </p:spPr>
@@ -11366,7 +11354,7 @@
             </a:ln>
             <a:extLst>
               <a:ext uri="{C572A759-6A51-4108-AA02-DFA0A04FC94B}">
-                <ma14:wrappingTextBoxFlag xmlns="" xmlns:m="http://schemas.openxmlformats.org/officeDocument/2006/math" xmlns:a14="http://schemas.microsoft.com/office/drawing/2010/main" xmlns:ma14="http://schemas.microsoft.com/office/mac/drawingml/2011/main" val="1"/>
+                <ma14:wrappingTextBoxFlag xmlns:ma14="http://schemas.microsoft.com/office/mac/drawingml/2011/main" xmlns:a14="http://schemas.microsoft.com/office/drawing/2010/main" xmlns:m="http://schemas.openxmlformats.org/officeDocument/2006/math" xmlns="" val="1"/>
               </a:ext>
             </a:extLst>
           </p:spPr>
@@ -11431,7 +11419,7 @@
               <a:effectLst/>
               <a:extLst>
                 <a:ext uri="{C572A759-6A51-4108-AA02-DFA0A04FC94B}">
-                  <ma14:wrappingTextBoxFlag xmlns="" xmlns:m="http://schemas.openxmlformats.org/officeDocument/2006/math" xmlns:a14="http://schemas.microsoft.com/office/drawing/2010/main" xmlns:ma14="http://schemas.microsoft.com/office/mac/drawingml/2011/main" val="1"/>
+                  <ma14:wrappingTextBoxFlag xmlns:ma14="http://schemas.microsoft.com/office/mac/drawingml/2011/main" xmlns:a14="http://schemas.microsoft.com/office/drawing/2010/main" xmlns:m="http://schemas.openxmlformats.org/officeDocument/2006/math" xmlns="" val="1"/>
                 </a:ext>
               </a:extLst>
             </p:spPr>
@@ -11567,7 +11555,7 @@
               <a:effectLst/>
               <a:extLst>
                 <a:ext uri="{C572A759-6A51-4108-AA02-DFA0A04FC94B}">
-                  <ma14:wrappingTextBoxFlag xmlns="" xmlns:m="http://schemas.openxmlformats.org/officeDocument/2006/math" xmlns:a14="http://schemas.microsoft.com/office/drawing/2010/main" xmlns:ma14="http://schemas.microsoft.com/office/mac/drawingml/2011/main" val="1"/>
+                  <ma14:wrappingTextBoxFlag xmlns:ma14="http://schemas.microsoft.com/office/mac/drawingml/2011/main" xmlns:a14="http://schemas.microsoft.com/office/drawing/2010/main" xmlns:m="http://schemas.openxmlformats.org/officeDocument/2006/math" xmlns="" val="1"/>
                 </a:ext>
               </a:extLst>
             </p:spPr>
@@ -11633,7 +11621,7 @@
               <a:effectLst/>
               <a:extLst>
                 <a:ext uri="{C572A759-6A51-4108-AA02-DFA0A04FC94B}">
-                  <ma14:wrappingTextBoxFlag xmlns="" xmlns:m="http://schemas.openxmlformats.org/officeDocument/2006/math" xmlns:a14="http://schemas.microsoft.com/office/drawing/2010/main" xmlns:ma14="http://schemas.microsoft.com/office/mac/drawingml/2011/main" val="1"/>
+                  <ma14:wrappingTextBoxFlag xmlns:ma14="http://schemas.microsoft.com/office/mac/drawingml/2011/main" xmlns:a14="http://schemas.microsoft.com/office/drawing/2010/main" xmlns:m="http://schemas.openxmlformats.org/officeDocument/2006/math" xmlns="" val="1"/>
                 </a:ext>
               </a:extLst>
             </p:spPr>
@@ -11769,7 +11757,7 @@
               <a:effectLst/>
               <a:extLst>
                 <a:ext uri="{C572A759-6A51-4108-AA02-DFA0A04FC94B}">
-                  <ma14:wrappingTextBoxFlag xmlns="" xmlns:m="http://schemas.openxmlformats.org/officeDocument/2006/math" xmlns:a14="http://schemas.microsoft.com/office/drawing/2010/main" xmlns:ma14="http://schemas.microsoft.com/office/mac/drawingml/2011/main" val="1"/>
+                  <ma14:wrappingTextBoxFlag xmlns:ma14="http://schemas.microsoft.com/office/mac/drawingml/2011/main" xmlns:a14="http://schemas.microsoft.com/office/drawing/2010/main" xmlns:m="http://schemas.openxmlformats.org/officeDocument/2006/math" xmlns="" val="1"/>
                 </a:ext>
               </a:extLst>
             </p:spPr>
@@ -11870,7 +11858,7 @@
               <a:effectLst/>
               <a:extLst>
                 <a:ext uri="{C572A759-6A51-4108-AA02-DFA0A04FC94B}">
-                  <ma14:wrappingTextBoxFlag xmlns="" xmlns:m="http://schemas.openxmlformats.org/officeDocument/2006/math" xmlns:a14="http://schemas.microsoft.com/office/drawing/2010/main" xmlns:ma14="http://schemas.microsoft.com/office/mac/drawingml/2011/main" val="1"/>
+                  <ma14:wrappingTextBoxFlag xmlns:ma14="http://schemas.microsoft.com/office/mac/drawingml/2011/main" xmlns:a14="http://schemas.microsoft.com/office/drawing/2010/main" xmlns:m="http://schemas.openxmlformats.org/officeDocument/2006/math" xmlns="" val="1"/>
                 </a:ext>
               </a:extLst>
             </p:spPr>
@@ -11922,7 +11910,7 @@
             </a:ln>
             <a:extLst>
               <a:ext uri="{C572A759-6A51-4108-AA02-DFA0A04FC94B}">
-                <ma14:wrappingTextBoxFlag xmlns="" xmlns:m="http://schemas.openxmlformats.org/officeDocument/2006/math" xmlns:a14="http://schemas.microsoft.com/office/drawing/2010/main" xmlns:ma14="http://schemas.microsoft.com/office/mac/drawingml/2011/main" val="1"/>
+                <ma14:wrappingTextBoxFlag xmlns:ma14="http://schemas.microsoft.com/office/mac/drawingml/2011/main" xmlns:a14="http://schemas.microsoft.com/office/drawing/2010/main" xmlns:m="http://schemas.openxmlformats.org/officeDocument/2006/math" xmlns="" val="1"/>
               </a:ext>
             </a:extLst>
           </p:spPr>
@@ -12247,7 +12235,7 @@
               <a:effectLst/>
               <a:extLst>
                 <a:ext uri="{C572A759-6A51-4108-AA02-DFA0A04FC94B}">
-                  <ma14:wrappingTextBoxFlag xmlns="" xmlns:m="http://schemas.openxmlformats.org/officeDocument/2006/math" xmlns:a14="http://schemas.microsoft.com/office/drawing/2010/main" xmlns:ma14="http://schemas.microsoft.com/office/mac/drawingml/2011/main" val="1"/>
+                  <ma14:wrappingTextBoxFlag xmlns:ma14="http://schemas.microsoft.com/office/mac/drawingml/2011/main" xmlns:a14="http://schemas.microsoft.com/office/drawing/2010/main" xmlns:m="http://schemas.openxmlformats.org/officeDocument/2006/math" xmlns="" val="1"/>
                 </a:ext>
               </a:extLst>
             </p:spPr>
@@ -12363,7 +12351,7 @@
               <a:effectLst/>
               <a:extLst>
                 <a:ext uri="{C572A759-6A51-4108-AA02-DFA0A04FC94B}">
-                  <ma14:wrappingTextBoxFlag xmlns="" xmlns:m="http://schemas.openxmlformats.org/officeDocument/2006/math" xmlns:a14="http://schemas.microsoft.com/office/drawing/2010/main" xmlns:ma14="http://schemas.microsoft.com/office/mac/drawingml/2011/main" val="1"/>
+                  <ma14:wrappingTextBoxFlag xmlns:ma14="http://schemas.microsoft.com/office/mac/drawingml/2011/main" xmlns:a14="http://schemas.microsoft.com/office/drawing/2010/main" xmlns:m="http://schemas.openxmlformats.org/officeDocument/2006/math" xmlns="" val="1"/>
                 </a:ext>
               </a:extLst>
             </p:spPr>
@@ -12533,7 +12521,7 @@
               <a:effectLst/>
               <a:extLst>
                 <a:ext uri="{C572A759-6A51-4108-AA02-DFA0A04FC94B}">
-                  <ma14:wrappingTextBoxFlag xmlns="" xmlns:m="http://schemas.openxmlformats.org/officeDocument/2006/math" xmlns:a14="http://schemas.microsoft.com/office/drawing/2010/main" xmlns:ma14="http://schemas.microsoft.com/office/mac/drawingml/2011/main" val="1"/>
+                  <ma14:wrappingTextBoxFlag xmlns:ma14="http://schemas.microsoft.com/office/mac/drawingml/2011/main" xmlns:a14="http://schemas.microsoft.com/office/drawing/2010/main" xmlns:m="http://schemas.openxmlformats.org/officeDocument/2006/math" xmlns="" val="1"/>
                 </a:ext>
               </a:extLst>
             </p:spPr>
@@ -12649,7 +12637,7 @@
               <a:effectLst/>
               <a:extLst>
                 <a:ext uri="{C572A759-6A51-4108-AA02-DFA0A04FC94B}">
-                  <ma14:wrappingTextBoxFlag xmlns="" xmlns:m="http://schemas.openxmlformats.org/officeDocument/2006/math" xmlns:a14="http://schemas.microsoft.com/office/drawing/2010/main" xmlns:ma14="http://schemas.microsoft.com/office/mac/drawingml/2011/main" val="1"/>
+                  <ma14:wrappingTextBoxFlag xmlns:ma14="http://schemas.microsoft.com/office/mac/drawingml/2011/main" xmlns:a14="http://schemas.microsoft.com/office/drawing/2010/main" xmlns:m="http://schemas.openxmlformats.org/officeDocument/2006/math" xmlns="" val="1"/>
                 </a:ext>
               </a:extLst>
             </p:spPr>
@@ -12777,7 +12765,7 @@
               <a:effectLst/>
               <a:extLst>
                 <a:ext uri="{C572A759-6A51-4108-AA02-DFA0A04FC94B}">
-                  <ma14:wrappingTextBoxFlag xmlns="" xmlns:m="http://schemas.openxmlformats.org/officeDocument/2006/math" xmlns:a14="http://schemas.microsoft.com/office/drawing/2010/main" xmlns:ma14="http://schemas.microsoft.com/office/mac/drawingml/2011/main" val="1"/>
+                  <ma14:wrappingTextBoxFlag xmlns:ma14="http://schemas.microsoft.com/office/mac/drawingml/2011/main" xmlns:a14="http://schemas.microsoft.com/office/drawing/2010/main" xmlns:m="http://schemas.openxmlformats.org/officeDocument/2006/math" xmlns="" val="1"/>
                 </a:ext>
               </a:extLst>
             </p:spPr>
@@ -12826,7 +12814,7 @@
             </a:ln>
             <a:extLst>
               <a:ext uri="{C572A759-6A51-4108-AA02-DFA0A04FC94B}">
-                <ma14:wrappingTextBoxFlag xmlns="" xmlns:m="http://schemas.openxmlformats.org/officeDocument/2006/math" xmlns:a14="http://schemas.microsoft.com/office/drawing/2010/main" xmlns:ma14="http://schemas.microsoft.com/office/mac/drawingml/2011/main" val="1"/>
+                <ma14:wrappingTextBoxFlag xmlns:ma14="http://schemas.microsoft.com/office/mac/drawingml/2011/main" xmlns:a14="http://schemas.microsoft.com/office/drawing/2010/main" xmlns:m="http://schemas.openxmlformats.org/officeDocument/2006/math" xmlns="" val="1"/>
               </a:ext>
             </a:extLst>
           </p:spPr>
@@ -12874,7 +12862,7 @@
             </a:ln>
             <a:extLst>
               <a:ext uri="{C572A759-6A51-4108-AA02-DFA0A04FC94B}">
-                <ma14:wrappingTextBoxFlag xmlns="" xmlns:m="http://schemas.openxmlformats.org/officeDocument/2006/math" xmlns:a14="http://schemas.microsoft.com/office/drawing/2010/main" xmlns:ma14="http://schemas.microsoft.com/office/mac/drawingml/2011/main" val="1"/>
+                <ma14:wrappingTextBoxFlag xmlns:ma14="http://schemas.microsoft.com/office/mac/drawingml/2011/main" xmlns:a14="http://schemas.microsoft.com/office/drawing/2010/main" xmlns:m="http://schemas.openxmlformats.org/officeDocument/2006/math" xmlns="" val="1"/>
               </a:ext>
             </a:extLst>
           </p:spPr>
@@ -12922,7 +12910,7 @@
             </a:ln>
             <a:extLst>
               <a:ext uri="{C572A759-6A51-4108-AA02-DFA0A04FC94B}">
-                <ma14:wrappingTextBoxFlag xmlns="" xmlns:m="http://schemas.openxmlformats.org/officeDocument/2006/math" xmlns:a14="http://schemas.microsoft.com/office/drawing/2010/main" xmlns:ma14="http://schemas.microsoft.com/office/mac/drawingml/2011/main" val="1"/>
+                <ma14:wrappingTextBoxFlag xmlns:ma14="http://schemas.microsoft.com/office/mac/drawingml/2011/main" xmlns:a14="http://schemas.microsoft.com/office/drawing/2010/main" xmlns:m="http://schemas.openxmlformats.org/officeDocument/2006/math" xmlns="" val="1"/>
               </a:ext>
             </a:extLst>
           </p:spPr>
@@ -12970,7 +12958,7 @@
             </a:ln>
             <a:extLst>
               <a:ext uri="{C572A759-6A51-4108-AA02-DFA0A04FC94B}">
-                <ma14:wrappingTextBoxFlag xmlns="" xmlns:m="http://schemas.openxmlformats.org/officeDocument/2006/math" xmlns:a14="http://schemas.microsoft.com/office/drawing/2010/main" xmlns:ma14="http://schemas.microsoft.com/office/mac/drawingml/2011/main" val="1"/>
+                <ma14:wrappingTextBoxFlag xmlns:ma14="http://schemas.microsoft.com/office/mac/drawingml/2011/main" xmlns:a14="http://schemas.microsoft.com/office/drawing/2010/main" xmlns:m="http://schemas.openxmlformats.org/officeDocument/2006/math" xmlns="" val="1"/>
               </a:ext>
             </a:extLst>
           </p:spPr>
@@ -13021,7 +13009,7 @@
             </a:ln>
             <a:extLst>
               <a:ext uri="{C572A759-6A51-4108-AA02-DFA0A04FC94B}">
-                <ma14:wrappingTextBoxFlag xmlns="" xmlns:m="http://schemas.openxmlformats.org/officeDocument/2006/math" xmlns:a14="http://schemas.microsoft.com/office/drawing/2010/main" xmlns:ma14="http://schemas.microsoft.com/office/mac/drawingml/2011/main" val="1"/>
+                <ma14:wrappingTextBoxFlag xmlns:ma14="http://schemas.microsoft.com/office/mac/drawingml/2011/main" xmlns:a14="http://schemas.microsoft.com/office/drawing/2010/main" xmlns:m="http://schemas.openxmlformats.org/officeDocument/2006/math" xmlns="" val="1"/>
               </a:ext>
             </a:extLst>
           </p:spPr>
@@ -13086,7 +13074,7 @@
               <a:effectLst/>
               <a:extLst>
                 <a:ext uri="{C572A759-6A51-4108-AA02-DFA0A04FC94B}">
-                  <ma14:wrappingTextBoxFlag xmlns="" xmlns:m="http://schemas.openxmlformats.org/officeDocument/2006/math" xmlns:a14="http://schemas.microsoft.com/office/drawing/2010/main" xmlns:ma14="http://schemas.microsoft.com/office/mac/drawingml/2011/main" val="1"/>
+                  <ma14:wrappingTextBoxFlag xmlns:ma14="http://schemas.microsoft.com/office/mac/drawingml/2011/main" xmlns:a14="http://schemas.microsoft.com/office/drawing/2010/main" xmlns:m="http://schemas.openxmlformats.org/officeDocument/2006/math" xmlns="" val="1"/>
                 </a:ext>
               </a:extLst>
             </p:spPr>
@@ -13187,7 +13175,7 @@
               <a:effectLst/>
               <a:extLst>
                 <a:ext uri="{C572A759-6A51-4108-AA02-DFA0A04FC94B}">
-                  <ma14:wrappingTextBoxFlag xmlns="" xmlns:m="http://schemas.openxmlformats.org/officeDocument/2006/math" xmlns:a14="http://schemas.microsoft.com/office/drawing/2010/main" xmlns:ma14="http://schemas.microsoft.com/office/mac/drawingml/2011/main" val="1"/>
+                  <ma14:wrappingTextBoxFlag xmlns:ma14="http://schemas.microsoft.com/office/mac/drawingml/2011/main" xmlns:a14="http://schemas.microsoft.com/office/drawing/2010/main" xmlns:m="http://schemas.openxmlformats.org/officeDocument/2006/math" xmlns="" val="1"/>
                 </a:ext>
               </a:extLst>
             </p:spPr>
@@ -13323,7 +13311,7 @@
               <a:effectLst/>
               <a:extLst>
                 <a:ext uri="{C572A759-6A51-4108-AA02-DFA0A04FC94B}">
-                  <ma14:wrappingTextBoxFlag xmlns="" xmlns:m="http://schemas.openxmlformats.org/officeDocument/2006/math" xmlns:a14="http://schemas.microsoft.com/office/drawing/2010/main" xmlns:ma14="http://schemas.microsoft.com/office/mac/drawingml/2011/main" val="1"/>
+                  <ma14:wrappingTextBoxFlag xmlns:ma14="http://schemas.microsoft.com/office/mac/drawingml/2011/main" xmlns:a14="http://schemas.microsoft.com/office/drawing/2010/main" xmlns:m="http://schemas.openxmlformats.org/officeDocument/2006/math" xmlns="" val="1"/>
                 </a:ext>
               </a:extLst>
             </p:spPr>
@@ -13610,7 +13598,7 @@
               <a:effectLst/>
               <a:extLst>
                 <a:ext uri="{C572A759-6A51-4108-AA02-DFA0A04FC94B}">
-                  <ma14:wrappingTextBoxFlag xmlns="" xmlns:m="http://schemas.openxmlformats.org/officeDocument/2006/math" xmlns:a14="http://schemas.microsoft.com/office/drawing/2010/main" xmlns:ma14="http://schemas.microsoft.com/office/mac/drawingml/2011/main" val="1"/>
+                  <ma14:wrappingTextBoxFlag xmlns:ma14="http://schemas.microsoft.com/office/mac/drawingml/2011/main" xmlns:a14="http://schemas.microsoft.com/office/drawing/2010/main" xmlns:m="http://schemas.openxmlformats.org/officeDocument/2006/math" xmlns="" val="1"/>
                 </a:ext>
               </a:extLst>
             </p:spPr>
@@ -13830,7 +13818,7 @@
             </a:ln>
             <a:extLst>
               <a:ext uri="{C572A759-6A51-4108-AA02-DFA0A04FC94B}">
-                <ma14:wrappingTextBoxFlag xmlns="" xmlns:m="http://schemas.openxmlformats.org/officeDocument/2006/math" xmlns:a14="http://schemas.microsoft.com/office/drawing/2010/main" xmlns:ma14="http://schemas.microsoft.com/office/mac/drawingml/2011/main" val="1"/>
+                <ma14:wrappingTextBoxFlag xmlns:ma14="http://schemas.microsoft.com/office/mac/drawingml/2011/main" xmlns:a14="http://schemas.microsoft.com/office/drawing/2010/main" xmlns:m="http://schemas.openxmlformats.org/officeDocument/2006/math" xmlns="" val="1"/>
               </a:ext>
             </a:extLst>
           </p:spPr>
@@ -13878,7 +13866,7 @@
             </a:ln>
             <a:extLst>
               <a:ext uri="{C572A759-6A51-4108-AA02-DFA0A04FC94B}">
-                <ma14:wrappingTextBoxFlag xmlns="" xmlns:m="http://schemas.openxmlformats.org/officeDocument/2006/math" xmlns:a14="http://schemas.microsoft.com/office/drawing/2010/main" xmlns:ma14="http://schemas.microsoft.com/office/mac/drawingml/2011/main" val="1"/>
+                <ma14:wrappingTextBoxFlag xmlns:ma14="http://schemas.microsoft.com/office/mac/drawingml/2011/main" xmlns:a14="http://schemas.microsoft.com/office/drawing/2010/main" xmlns:m="http://schemas.openxmlformats.org/officeDocument/2006/math" xmlns="" val="1"/>
               </a:ext>
             </a:extLst>
           </p:spPr>
@@ -13926,7 +13914,7 @@
             </a:ln>
             <a:extLst>
               <a:ext uri="{C572A759-6A51-4108-AA02-DFA0A04FC94B}">
-                <ma14:wrappingTextBoxFlag xmlns="" xmlns:m="http://schemas.openxmlformats.org/officeDocument/2006/math" xmlns:a14="http://schemas.microsoft.com/office/drawing/2010/main" xmlns:ma14="http://schemas.microsoft.com/office/mac/drawingml/2011/main" val="1"/>
+                <ma14:wrappingTextBoxFlag xmlns:ma14="http://schemas.microsoft.com/office/mac/drawingml/2011/main" xmlns:a14="http://schemas.microsoft.com/office/drawing/2010/main" xmlns:m="http://schemas.openxmlformats.org/officeDocument/2006/math" xmlns="" val="1"/>
               </a:ext>
             </a:extLst>
           </p:spPr>
@@ -13974,7 +13962,7 @@
             </a:ln>
             <a:extLst>
               <a:ext uri="{C572A759-6A51-4108-AA02-DFA0A04FC94B}">
-                <ma14:wrappingTextBoxFlag xmlns="" xmlns:m="http://schemas.openxmlformats.org/officeDocument/2006/math" xmlns:a14="http://schemas.microsoft.com/office/drawing/2010/main" xmlns:ma14="http://schemas.microsoft.com/office/mac/drawingml/2011/main" val="1"/>
+                <ma14:wrappingTextBoxFlag xmlns:ma14="http://schemas.microsoft.com/office/mac/drawingml/2011/main" xmlns:a14="http://schemas.microsoft.com/office/drawing/2010/main" xmlns:m="http://schemas.openxmlformats.org/officeDocument/2006/math" xmlns="" val="1"/>
               </a:ext>
             </a:extLst>
           </p:spPr>
@@ -14025,7 +14013,7 @@
             </a:ln>
             <a:extLst>
               <a:ext uri="{C572A759-6A51-4108-AA02-DFA0A04FC94B}">
-                <ma14:wrappingTextBoxFlag xmlns="" xmlns:m="http://schemas.openxmlformats.org/officeDocument/2006/math" xmlns:a14="http://schemas.microsoft.com/office/drawing/2010/main" xmlns:ma14="http://schemas.microsoft.com/office/mac/drawingml/2011/main" val="1"/>
+                <ma14:wrappingTextBoxFlag xmlns:ma14="http://schemas.microsoft.com/office/mac/drawingml/2011/main" xmlns:a14="http://schemas.microsoft.com/office/drawing/2010/main" xmlns:m="http://schemas.openxmlformats.org/officeDocument/2006/math" xmlns="" val="1"/>
               </a:ext>
             </a:extLst>
           </p:spPr>
@@ -14187,7 +14175,7 @@
                 <a:effectLst/>
                 <a:extLst>
                   <a:ext uri="{C572A759-6A51-4108-AA02-DFA0A04FC94B}">
-                    <ma14:wrappingTextBoxFlag xmlns="" xmlns:m="http://schemas.openxmlformats.org/officeDocument/2006/math" xmlns:a14="http://schemas.microsoft.com/office/drawing/2010/main" xmlns:ma14="http://schemas.microsoft.com/office/mac/drawingml/2011/main" val="1"/>
+                    <ma14:wrappingTextBoxFlag xmlns:ma14="http://schemas.microsoft.com/office/mac/drawingml/2011/main" xmlns:a14="http://schemas.microsoft.com/office/drawing/2010/main" xmlns:m="http://schemas.openxmlformats.org/officeDocument/2006/math" xmlns="" val="1"/>
                   </a:ext>
                 </a:extLst>
               </p:spPr>
@@ -14303,7 +14291,7 @@
                 <a:effectLst/>
                 <a:extLst>
                   <a:ext uri="{C572A759-6A51-4108-AA02-DFA0A04FC94B}">
-                    <ma14:wrappingTextBoxFlag xmlns="" xmlns:m="http://schemas.openxmlformats.org/officeDocument/2006/math" xmlns:a14="http://schemas.microsoft.com/office/drawing/2010/main" xmlns:ma14="http://schemas.microsoft.com/office/mac/drawingml/2011/main" val="1"/>
+                    <ma14:wrappingTextBoxFlag xmlns:ma14="http://schemas.microsoft.com/office/mac/drawingml/2011/main" xmlns:a14="http://schemas.microsoft.com/office/drawing/2010/main" xmlns:m="http://schemas.openxmlformats.org/officeDocument/2006/math" xmlns="" val="1"/>
                   </a:ext>
                 </a:extLst>
               </p:spPr>
@@ -14473,7 +14461,7 @@
                 <a:effectLst/>
                 <a:extLst>
                   <a:ext uri="{C572A759-6A51-4108-AA02-DFA0A04FC94B}">
-                    <ma14:wrappingTextBoxFlag xmlns="" xmlns:m="http://schemas.openxmlformats.org/officeDocument/2006/math" xmlns:a14="http://schemas.microsoft.com/office/drawing/2010/main" xmlns:ma14="http://schemas.microsoft.com/office/mac/drawingml/2011/main" val="1"/>
+                    <ma14:wrappingTextBoxFlag xmlns:ma14="http://schemas.microsoft.com/office/mac/drawingml/2011/main" xmlns:a14="http://schemas.microsoft.com/office/drawing/2010/main" xmlns:m="http://schemas.openxmlformats.org/officeDocument/2006/math" xmlns="" val="1"/>
                   </a:ext>
                 </a:extLst>
               </p:spPr>
@@ -14589,7 +14577,7 @@
                 <a:effectLst/>
                 <a:extLst>
                   <a:ext uri="{C572A759-6A51-4108-AA02-DFA0A04FC94B}">
-                    <ma14:wrappingTextBoxFlag xmlns="" xmlns:m="http://schemas.openxmlformats.org/officeDocument/2006/math" xmlns:a14="http://schemas.microsoft.com/office/drawing/2010/main" xmlns:ma14="http://schemas.microsoft.com/office/mac/drawingml/2011/main" val="1"/>
+                    <ma14:wrappingTextBoxFlag xmlns:ma14="http://schemas.microsoft.com/office/mac/drawingml/2011/main" xmlns:a14="http://schemas.microsoft.com/office/drawing/2010/main" xmlns:m="http://schemas.openxmlformats.org/officeDocument/2006/math" xmlns="" val="1"/>
                   </a:ext>
                 </a:extLst>
               </p:spPr>
@@ -14717,7 +14705,7 @@
                 <a:effectLst/>
                 <a:extLst>
                   <a:ext uri="{C572A759-6A51-4108-AA02-DFA0A04FC94B}">
-                    <ma14:wrappingTextBoxFlag xmlns="" xmlns:m="http://schemas.openxmlformats.org/officeDocument/2006/math" xmlns:a14="http://schemas.microsoft.com/office/drawing/2010/main" xmlns:ma14="http://schemas.microsoft.com/office/mac/drawingml/2011/main" val="1"/>
+                    <ma14:wrappingTextBoxFlag xmlns:ma14="http://schemas.microsoft.com/office/mac/drawingml/2011/main" xmlns:a14="http://schemas.microsoft.com/office/drawing/2010/main" xmlns:m="http://schemas.openxmlformats.org/officeDocument/2006/math" xmlns="" val="1"/>
                   </a:ext>
                 </a:extLst>
               </p:spPr>
@@ -14783,7 +14771,7 @@
                 <a:effectLst/>
                 <a:extLst>
                   <a:ext uri="{C572A759-6A51-4108-AA02-DFA0A04FC94B}">
-                    <ma14:wrappingTextBoxFlag xmlns="" xmlns:m="http://schemas.openxmlformats.org/officeDocument/2006/math" xmlns:a14="http://schemas.microsoft.com/office/drawing/2010/main" xmlns:ma14="http://schemas.microsoft.com/office/mac/drawingml/2011/main" val="1"/>
+                    <ma14:wrappingTextBoxFlag xmlns:ma14="http://schemas.microsoft.com/office/mac/drawingml/2011/main" xmlns:a14="http://schemas.microsoft.com/office/drawing/2010/main" xmlns:m="http://schemas.openxmlformats.org/officeDocument/2006/math" xmlns="" val="1"/>
                   </a:ext>
                 </a:extLst>
               </p:spPr>
@@ -14897,7 +14885,7 @@
               </a:ln>
               <a:extLst>
                 <a:ext uri="{C572A759-6A51-4108-AA02-DFA0A04FC94B}">
-                  <ma14:wrappingTextBoxFlag xmlns="" xmlns:m="http://schemas.openxmlformats.org/officeDocument/2006/math" xmlns:a14="http://schemas.microsoft.com/office/drawing/2010/main" xmlns:ma14="http://schemas.microsoft.com/office/mac/drawingml/2011/main" val="1"/>
+                  <ma14:wrappingTextBoxFlag xmlns:ma14="http://schemas.microsoft.com/office/mac/drawingml/2011/main" xmlns:a14="http://schemas.microsoft.com/office/drawing/2010/main" xmlns:m="http://schemas.openxmlformats.org/officeDocument/2006/math" xmlns="" val="1"/>
                 </a:ext>
               </a:extLst>
             </p:spPr>
@@ -14997,7 +14985,7 @@
                 <a:effectLst/>
                 <a:extLst>
                   <a:ext uri="{C572A759-6A51-4108-AA02-DFA0A04FC94B}">
-                    <ma14:wrappingTextBoxFlag xmlns="" xmlns:m="http://schemas.openxmlformats.org/officeDocument/2006/math" xmlns:a14="http://schemas.microsoft.com/office/drawing/2010/main" xmlns:ma14="http://schemas.microsoft.com/office/mac/drawingml/2011/main" val="1"/>
+                    <ma14:wrappingTextBoxFlag xmlns:ma14="http://schemas.microsoft.com/office/mac/drawingml/2011/main" xmlns:a14="http://schemas.microsoft.com/office/drawing/2010/main" xmlns:m="http://schemas.openxmlformats.org/officeDocument/2006/math" xmlns="" val="1"/>
                   </a:ext>
                 </a:extLst>
               </p:spPr>
@@ -15063,7 +15051,7 @@
                 <a:effectLst/>
                 <a:extLst>
                   <a:ext uri="{C572A759-6A51-4108-AA02-DFA0A04FC94B}">
-                    <ma14:wrappingTextBoxFlag xmlns="" xmlns:m="http://schemas.openxmlformats.org/officeDocument/2006/math" xmlns:a14="http://schemas.microsoft.com/office/drawing/2010/main" xmlns:ma14="http://schemas.microsoft.com/office/mac/drawingml/2011/main" val="1"/>
+                    <ma14:wrappingTextBoxFlag xmlns:ma14="http://schemas.microsoft.com/office/mac/drawingml/2011/main" xmlns:a14="http://schemas.microsoft.com/office/drawing/2010/main" xmlns:m="http://schemas.openxmlformats.org/officeDocument/2006/math" xmlns="" val="1"/>
                   </a:ext>
                 </a:extLst>
               </p:spPr>
@@ -15252,7 +15240,7 @@
           </a:prstGeom>
           <a:extLst>
             <a:ext uri="{C572A759-6A51-4108-AA02-DFA0A04FC94B}">
-              <ma14:wrappingTextBoxFlag xmlns="" xmlns:m="http://schemas.openxmlformats.org/officeDocument/2006/math" xmlns:a14="http://schemas.microsoft.com/office/drawing/2010/main" xmlns:ma14="http://schemas.microsoft.com/office/mac/drawingml/2011/main" val="1"/>
+              <ma14:wrappingTextBoxFlag xmlns:ma14="http://schemas.microsoft.com/office/mac/drawingml/2011/main" xmlns:a14="http://schemas.microsoft.com/office/drawing/2010/main" xmlns:m="http://schemas.openxmlformats.org/officeDocument/2006/math" xmlns="" val="1"/>
             </a:ext>
           </a:extLst>
         </p:spPr>
@@ -15717,7 +15705,7 @@
                 <a:effectLst/>
                 <a:extLst>
                   <a:ext uri="{C572A759-6A51-4108-AA02-DFA0A04FC94B}">
-                    <ma14:wrappingTextBoxFlag xmlns="" xmlns:m="http://schemas.openxmlformats.org/officeDocument/2006/math" xmlns:a14="http://schemas.microsoft.com/office/drawing/2010/main" xmlns:ma14="http://schemas.microsoft.com/office/mac/drawingml/2011/main" val="1"/>
+                    <ma14:wrappingTextBoxFlag xmlns:ma14="http://schemas.microsoft.com/office/mac/drawingml/2011/main" xmlns:a14="http://schemas.microsoft.com/office/drawing/2010/main" xmlns:m="http://schemas.openxmlformats.org/officeDocument/2006/math" xmlns="" val="1"/>
                   </a:ext>
                 </a:extLst>
               </p:spPr>
@@ -15877,7 +15865,7 @@
                 <a:effectLst/>
                 <a:extLst>
                   <a:ext uri="{C572A759-6A51-4108-AA02-DFA0A04FC94B}">
-                    <ma14:wrappingTextBoxFlag xmlns="" xmlns:m="http://schemas.openxmlformats.org/officeDocument/2006/math" xmlns:a14="http://schemas.microsoft.com/office/drawing/2010/main" xmlns:ma14="http://schemas.microsoft.com/office/mac/drawingml/2011/main" val="1"/>
+                    <ma14:wrappingTextBoxFlag xmlns:ma14="http://schemas.microsoft.com/office/mac/drawingml/2011/main" xmlns:a14="http://schemas.microsoft.com/office/drawing/2010/main" xmlns:m="http://schemas.openxmlformats.org/officeDocument/2006/math" xmlns="" val="1"/>
                   </a:ext>
                 </a:extLst>
               </p:spPr>
@@ -16037,7 +16025,7 @@
                 <a:effectLst/>
                 <a:extLst>
                   <a:ext uri="{C572A759-6A51-4108-AA02-DFA0A04FC94B}">
-                    <ma14:wrappingTextBoxFlag xmlns="" xmlns:m="http://schemas.openxmlformats.org/officeDocument/2006/math" xmlns:a14="http://schemas.microsoft.com/office/drawing/2010/main" xmlns:ma14="http://schemas.microsoft.com/office/mac/drawingml/2011/main" val="1"/>
+                    <ma14:wrappingTextBoxFlag xmlns:ma14="http://schemas.microsoft.com/office/mac/drawingml/2011/main" xmlns:a14="http://schemas.microsoft.com/office/drawing/2010/main" xmlns:m="http://schemas.openxmlformats.org/officeDocument/2006/math" xmlns="" val="1"/>
                   </a:ext>
                 </a:extLst>
               </p:spPr>
@@ -16197,7 +16185,7 @@
                 <a:effectLst/>
                 <a:extLst>
                   <a:ext uri="{C572A759-6A51-4108-AA02-DFA0A04FC94B}">
-                    <ma14:wrappingTextBoxFlag xmlns="" xmlns:m="http://schemas.openxmlformats.org/officeDocument/2006/math" xmlns:a14="http://schemas.microsoft.com/office/drawing/2010/main" xmlns:ma14="http://schemas.microsoft.com/office/mac/drawingml/2011/main" val="1"/>
+                    <ma14:wrappingTextBoxFlag xmlns:ma14="http://schemas.microsoft.com/office/mac/drawingml/2011/main" xmlns:a14="http://schemas.microsoft.com/office/drawing/2010/main" xmlns:m="http://schemas.openxmlformats.org/officeDocument/2006/math" xmlns="" val="1"/>
                   </a:ext>
                 </a:extLst>
               </p:spPr>
@@ -16963,7 +16951,7 @@
           </a:prstGeom>
           <a:extLst>
             <a:ext uri="{C572A759-6A51-4108-AA02-DFA0A04FC94B}">
-              <ma14:wrappingTextBoxFlag xmlns="" xmlns:m="http://schemas.openxmlformats.org/officeDocument/2006/math" xmlns:a14="http://schemas.microsoft.com/office/drawing/2010/main" xmlns:ma14="http://schemas.microsoft.com/office/mac/drawingml/2011/main" val="1"/>
+              <ma14:wrappingTextBoxFlag xmlns:ma14="http://schemas.microsoft.com/office/mac/drawingml/2011/main" xmlns:a14="http://schemas.microsoft.com/office/drawing/2010/main" xmlns:m="http://schemas.openxmlformats.org/officeDocument/2006/math" xmlns="" val="1"/>
             </a:ext>
           </a:extLst>
         </p:spPr>
@@ -17108,7 +17096,7 @@
               <a:effectLst/>
               <a:extLst>
                 <a:ext uri="{C572A759-6A51-4108-AA02-DFA0A04FC94B}">
-                  <ma14:wrappingTextBoxFlag xmlns="" xmlns:m="http://schemas.openxmlformats.org/officeDocument/2006/math" xmlns:a14="http://schemas.microsoft.com/office/drawing/2010/main" xmlns:ma14="http://schemas.microsoft.com/office/mac/drawingml/2011/main" val="1"/>
+                  <ma14:wrappingTextBoxFlag xmlns:ma14="http://schemas.microsoft.com/office/mac/drawingml/2011/main" xmlns:a14="http://schemas.microsoft.com/office/drawing/2010/main" xmlns:m="http://schemas.openxmlformats.org/officeDocument/2006/math" xmlns="" val="1"/>
                 </a:ext>
               </a:extLst>
             </p:spPr>
@@ -17224,7 +17212,7 @@
               <a:effectLst/>
               <a:extLst>
                 <a:ext uri="{C572A759-6A51-4108-AA02-DFA0A04FC94B}">
-                  <ma14:wrappingTextBoxFlag xmlns="" xmlns:m="http://schemas.openxmlformats.org/officeDocument/2006/math" xmlns:a14="http://schemas.microsoft.com/office/drawing/2010/main" xmlns:ma14="http://schemas.microsoft.com/office/mac/drawingml/2011/main" val="1"/>
+                  <ma14:wrappingTextBoxFlag xmlns:ma14="http://schemas.microsoft.com/office/mac/drawingml/2011/main" xmlns:a14="http://schemas.microsoft.com/office/drawing/2010/main" xmlns:m="http://schemas.openxmlformats.org/officeDocument/2006/math" xmlns="" val="1"/>
                 </a:ext>
               </a:extLst>
             </p:spPr>
@@ -17404,7 +17392,7 @@
             <a:effectLst/>
             <a:extLst>
               <a:ext uri="{C572A759-6A51-4108-AA02-DFA0A04FC94B}">
-                <ma14:wrappingTextBoxFlag xmlns="" xmlns:m="http://schemas.openxmlformats.org/officeDocument/2006/math" xmlns:a14="http://schemas.microsoft.com/office/drawing/2010/main" xmlns:ma14="http://schemas.microsoft.com/office/mac/drawingml/2011/main" val="1"/>
+                <ma14:wrappingTextBoxFlag xmlns:ma14="http://schemas.microsoft.com/office/mac/drawingml/2011/main" xmlns:a14="http://schemas.microsoft.com/office/drawing/2010/main" xmlns:m="http://schemas.openxmlformats.org/officeDocument/2006/math" xmlns="" val="1"/>
               </a:ext>
             </a:extLst>
           </p:spPr>
@@ -17817,7 +17805,7 @@
               <a:effectLst/>
               <a:extLst>
                 <a:ext uri="{C572A759-6A51-4108-AA02-DFA0A04FC94B}">
-                  <ma14:wrappingTextBoxFlag xmlns="" xmlns:m="http://schemas.openxmlformats.org/officeDocument/2006/math" xmlns:a14="http://schemas.microsoft.com/office/drawing/2010/main" xmlns:ma14="http://schemas.microsoft.com/office/mac/drawingml/2011/main" val="1"/>
+                  <ma14:wrappingTextBoxFlag xmlns:ma14="http://schemas.microsoft.com/office/mac/drawingml/2011/main" xmlns:a14="http://schemas.microsoft.com/office/drawing/2010/main" xmlns:m="http://schemas.openxmlformats.org/officeDocument/2006/math" xmlns="" val="1"/>
                 </a:ext>
               </a:extLst>
             </p:spPr>
@@ -17967,7 +17955,7 @@
               <a:effectLst/>
               <a:extLst>
                 <a:ext uri="{C572A759-6A51-4108-AA02-DFA0A04FC94B}">
-                  <ma14:wrappingTextBoxFlag xmlns="" xmlns:m="http://schemas.openxmlformats.org/officeDocument/2006/math" xmlns:a14="http://schemas.microsoft.com/office/drawing/2010/main" xmlns:ma14="http://schemas.microsoft.com/office/mac/drawingml/2011/main" val="1"/>
+                  <ma14:wrappingTextBoxFlag xmlns:ma14="http://schemas.microsoft.com/office/mac/drawingml/2011/main" xmlns:a14="http://schemas.microsoft.com/office/drawing/2010/main" xmlns:m="http://schemas.openxmlformats.org/officeDocument/2006/math" xmlns="" val="1"/>
                 </a:ext>
               </a:extLst>
             </p:spPr>
@@ -18101,7 +18089,7 @@
               <a:effectLst/>
               <a:extLst>
                 <a:ext uri="{C572A759-6A51-4108-AA02-DFA0A04FC94B}">
-                  <ma14:wrappingTextBoxFlag xmlns="" xmlns:m="http://schemas.openxmlformats.org/officeDocument/2006/math" xmlns:a14="http://schemas.microsoft.com/office/drawing/2010/main" xmlns:ma14="http://schemas.microsoft.com/office/mac/drawingml/2011/main" val="1"/>
+                  <ma14:wrappingTextBoxFlag xmlns:ma14="http://schemas.microsoft.com/office/mac/drawingml/2011/main" xmlns:a14="http://schemas.microsoft.com/office/drawing/2010/main" xmlns:m="http://schemas.openxmlformats.org/officeDocument/2006/math" xmlns="" val="1"/>
                 </a:ext>
               </a:extLst>
             </p:spPr>
@@ -18251,7 +18239,7 @@
               <a:effectLst/>
               <a:extLst>
                 <a:ext uri="{C572A759-6A51-4108-AA02-DFA0A04FC94B}">
-                  <ma14:wrappingTextBoxFlag xmlns="" xmlns:m="http://schemas.openxmlformats.org/officeDocument/2006/math" xmlns:a14="http://schemas.microsoft.com/office/drawing/2010/main" xmlns:ma14="http://schemas.microsoft.com/office/mac/drawingml/2011/main" val="1"/>
+                  <ma14:wrappingTextBoxFlag xmlns:ma14="http://schemas.microsoft.com/office/mac/drawingml/2011/main" xmlns:a14="http://schemas.microsoft.com/office/drawing/2010/main" xmlns:m="http://schemas.openxmlformats.org/officeDocument/2006/math" xmlns="" val="1"/>
                 </a:ext>
               </a:extLst>
             </p:spPr>
@@ -18986,7 +18974,7 @@
           </a:prstGeom>
           <a:extLst>
             <a:ext uri="{C572A759-6A51-4108-AA02-DFA0A04FC94B}">
-              <ma14:wrappingTextBoxFlag xmlns="" xmlns:m="http://schemas.openxmlformats.org/officeDocument/2006/math" xmlns:a14="http://schemas.microsoft.com/office/drawing/2010/main" xmlns:ma14="http://schemas.microsoft.com/office/mac/drawingml/2011/main" val="1"/>
+              <ma14:wrappingTextBoxFlag xmlns:ma14="http://schemas.microsoft.com/office/mac/drawingml/2011/main" xmlns:a14="http://schemas.microsoft.com/office/drawing/2010/main" xmlns:m="http://schemas.openxmlformats.org/officeDocument/2006/math" xmlns="" val="1"/>
             </a:ext>
           </a:extLst>
         </p:spPr>
@@ -19131,7 +19119,7 @@
               <a:effectLst/>
               <a:extLst>
                 <a:ext uri="{C572A759-6A51-4108-AA02-DFA0A04FC94B}">
-                  <ma14:wrappingTextBoxFlag xmlns="" xmlns:m="http://schemas.openxmlformats.org/officeDocument/2006/math" xmlns:a14="http://schemas.microsoft.com/office/drawing/2010/main" xmlns:ma14="http://schemas.microsoft.com/office/mac/drawingml/2011/main" val="1"/>
+                  <ma14:wrappingTextBoxFlag xmlns:ma14="http://schemas.microsoft.com/office/mac/drawingml/2011/main" xmlns:a14="http://schemas.microsoft.com/office/drawing/2010/main" xmlns:m="http://schemas.openxmlformats.org/officeDocument/2006/math" xmlns="" val="1"/>
                 </a:ext>
               </a:extLst>
             </p:spPr>
@@ -19247,7 +19235,7 @@
               <a:effectLst/>
               <a:extLst>
                 <a:ext uri="{C572A759-6A51-4108-AA02-DFA0A04FC94B}">
-                  <ma14:wrappingTextBoxFlag xmlns="" xmlns:m="http://schemas.openxmlformats.org/officeDocument/2006/math" xmlns:a14="http://schemas.microsoft.com/office/drawing/2010/main" xmlns:ma14="http://schemas.microsoft.com/office/mac/drawingml/2011/main" val="1"/>
+                  <ma14:wrappingTextBoxFlag xmlns:ma14="http://schemas.microsoft.com/office/mac/drawingml/2011/main" xmlns:a14="http://schemas.microsoft.com/office/drawing/2010/main" xmlns:m="http://schemas.openxmlformats.org/officeDocument/2006/math" xmlns="" val="1"/>
                 </a:ext>
               </a:extLst>
             </p:spPr>
@@ -19632,7 +19620,7 @@
               <a:effectLst/>
               <a:extLst>
                 <a:ext uri="{C572A759-6A51-4108-AA02-DFA0A04FC94B}">
-                  <ma14:wrappingTextBoxFlag xmlns="" xmlns:m="http://schemas.openxmlformats.org/officeDocument/2006/math" xmlns:a14="http://schemas.microsoft.com/office/drawing/2010/main" xmlns:ma14="http://schemas.microsoft.com/office/mac/drawingml/2011/main" val="1"/>
+                  <ma14:wrappingTextBoxFlag xmlns:ma14="http://schemas.microsoft.com/office/mac/drawingml/2011/main" xmlns:a14="http://schemas.microsoft.com/office/drawing/2010/main" xmlns:m="http://schemas.openxmlformats.org/officeDocument/2006/math" xmlns="" val="1"/>
                 </a:ext>
               </a:extLst>
             </p:spPr>
@@ -19748,7 +19736,7 @@
               <a:effectLst/>
               <a:extLst>
                 <a:ext uri="{C572A759-6A51-4108-AA02-DFA0A04FC94B}">
-                  <ma14:wrappingTextBoxFlag xmlns="" xmlns:m="http://schemas.openxmlformats.org/officeDocument/2006/math" xmlns:a14="http://schemas.microsoft.com/office/drawing/2010/main" xmlns:ma14="http://schemas.microsoft.com/office/mac/drawingml/2011/main" val="1"/>
+                  <ma14:wrappingTextBoxFlag xmlns:ma14="http://schemas.microsoft.com/office/mac/drawingml/2011/main" xmlns:a14="http://schemas.microsoft.com/office/drawing/2010/main" xmlns:m="http://schemas.openxmlformats.org/officeDocument/2006/math" xmlns="" val="1"/>
                 </a:ext>
               </a:extLst>
             </p:spPr>
@@ -20005,7 +19993,7 @@
               <a:effectLst/>
               <a:extLst>
                 <a:ext uri="{C572A759-6A51-4108-AA02-DFA0A04FC94B}">
-                  <ma14:wrappingTextBoxFlag xmlns="" xmlns:m="http://schemas.openxmlformats.org/officeDocument/2006/math" xmlns:a14="http://schemas.microsoft.com/office/drawing/2010/main" xmlns:ma14="http://schemas.microsoft.com/office/mac/drawingml/2011/main" val="1"/>
+                  <ma14:wrappingTextBoxFlag xmlns:ma14="http://schemas.microsoft.com/office/mac/drawingml/2011/main" xmlns:a14="http://schemas.microsoft.com/office/drawing/2010/main" xmlns:m="http://schemas.openxmlformats.org/officeDocument/2006/math" xmlns="" val="1"/>
                 </a:ext>
               </a:extLst>
             </p:spPr>
@@ -20121,7 +20109,7 @@
               <a:effectLst/>
               <a:extLst>
                 <a:ext uri="{C572A759-6A51-4108-AA02-DFA0A04FC94B}">
-                  <ma14:wrappingTextBoxFlag xmlns="" xmlns:m="http://schemas.openxmlformats.org/officeDocument/2006/math" xmlns:a14="http://schemas.microsoft.com/office/drawing/2010/main" xmlns:ma14="http://schemas.microsoft.com/office/mac/drawingml/2011/main" val="1"/>
+                  <ma14:wrappingTextBoxFlag xmlns:ma14="http://schemas.microsoft.com/office/mac/drawingml/2011/main" xmlns:a14="http://schemas.microsoft.com/office/drawing/2010/main" xmlns:m="http://schemas.openxmlformats.org/officeDocument/2006/math" xmlns="" val="1"/>
                 </a:ext>
               </a:extLst>
             </p:spPr>
@@ -20162,18 +20150,6 @@
   <p:clrMapOvr>
     <a:masterClrMapping/>
   </p:clrMapOvr>
-  <mc:AlternateContent xmlns:mc="http://schemas.openxmlformats.org/markup-compatibility/2006" xmlns:p14="http://schemas.microsoft.com/office/powerpoint/2010/main">
-    <mc:Choice Requires="p14">
-      <p:transition spd="slow" p14:dur="1200">
-        <p:fade/>
-      </p:transition>
-    </mc:Choice>
-    <mc:Fallback xmlns="" xmlns:m="http://schemas.openxmlformats.org/officeDocument/2006/math" xmlns:a14="http://schemas.microsoft.com/office/drawing/2010/main">
-      <p:transition spd="slow">
-        <p:fade/>
-      </p:transition>
-    </mc:Fallback>
-  </mc:AlternateContent>
 </p:sld>
 </file>
 
